--- a/ui_design/UI.pptx
+++ b/ui_design/UI.pptx
@@ -104,6 +104,11 @@
       </a:defRPr>
     </a:lvl9pPr>
   </p:defaultTextStyle>
+  <p:extLst>
+    <p:ext uri="{EFAFB233-063F-42B5-8137-9DF3F51BA10A}">
+      <p15:sldGuideLst xmlns:p15="http://schemas.microsoft.com/office/powerpoint/2012/main"/>
+    </p:ext>
+  </p:extLst>
 </p:presentation>
 </file>
 
@@ -3082,8 +3087,8 @@
         </p:blipFill>
         <p:spPr>
           <a:xfrm>
-            <a:off x="8668556" y="203200"/>
-            <a:ext cx="3320244" cy="2515877"/>
+            <a:off x="8661278" y="193992"/>
+            <a:ext cx="3320244" cy="2168471"/>
           </a:xfrm>
           <a:prstGeom prst="rect">
             <a:avLst/>
@@ -3112,7 +3117,7 @@
         </p:nvSpPr>
         <p:spPr>
           <a:xfrm>
-            <a:off x="8577429" y="2747675"/>
+            <a:off x="8619353" y="2486504"/>
             <a:ext cx="3404093" cy="1015663"/>
           </a:xfrm>
           <a:prstGeom prst="rect">
@@ -3296,6 +3301,68 @@
           <a:p>
             <a:pPr algn="ctr"/>
             <a:endParaRPr lang="en-US"/>
+          </a:p>
+        </p:txBody>
+      </p:sp>
+      <p:sp>
+        <p:nvSpPr>
+          <p:cNvPr id="8" name="TextBox 7"/>
+          <p:cNvSpPr txBox="1"/>
+          <p:nvPr/>
+        </p:nvSpPr>
+        <p:spPr>
+          <a:xfrm>
+            <a:off x="8608251" y="3585754"/>
+            <a:ext cx="3404093" cy="400110"/>
+          </a:xfrm>
+          <a:prstGeom prst="rect">
+            <a:avLst/>
+          </a:prstGeom>
+          <a:noFill/>
+        </p:spPr>
+        <p:txBody>
+          <a:bodyPr wrap="square" rtlCol="0">
+            <a:spAutoFit/>
+          </a:bodyPr>
+          <a:lstStyle/>
+          <a:p>
+            <a:r>
+              <a:rPr lang="en-US" sz="2000" b="1" smtClean="0">
+                <a:solidFill>
+                  <a:srgbClr val="FF0000"/>
+                </a:solidFill>
+              </a:rPr>
+              <a:t>O</a:t>
+            </a:r>
+            <a:r>
+              <a:rPr lang="en-US" sz="2000" b="1" smtClean="0">
+                <a:solidFill>
+                  <a:schemeClr val="bg1"/>
+                </a:solidFill>
+              </a:rPr>
+              <a:t>: open file	</a:t>
+            </a:r>
+            <a:r>
+              <a:rPr lang="en-US" sz="2000" b="1" smtClean="0">
+                <a:solidFill>
+                  <a:srgbClr val="FF0000"/>
+                </a:solidFill>
+              </a:rPr>
+              <a:t>C</a:t>
+            </a:r>
+            <a:r>
+              <a:rPr lang="en-US" sz="2000" b="1" smtClean="0">
+                <a:solidFill>
+                  <a:schemeClr val="bg1"/>
+                </a:solidFill>
+              </a:rPr>
+              <a:t>: camera</a:t>
+            </a:r>
+            <a:endParaRPr lang="en-US" sz="2000">
+              <a:solidFill>
+                <a:schemeClr val="bg1"/>
+              </a:solidFill>
+            </a:endParaRPr>
           </a:p>
         </p:txBody>
       </p:sp>
